--- a/嵌入式影像處理_1024.pptx
+++ b/嵌入式影像處理_1024.pptx
@@ -5609,6 +5609,106 @@
           </a:p>
         </p:txBody>
       </p:sp>
+      <p:cxnSp>
+        <p:nvCxnSpPr>
+          <p:cNvPr id="31" name="接點: 肘形 30">
+            <a:extLst>
+              <a:ext uri="{FF2B5EF4-FFF2-40B4-BE49-F238E27FC236}">
+                <a16:creationId xmlns:a16="http://schemas.microsoft.com/office/drawing/2014/main" id="{266C17FA-D8CB-4283-AB95-4CAC60F532BC}"/>
+              </a:ext>
+            </a:extLst>
+          </p:cNvPr>
+          <p:cNvCxnSpPr>
+            <a:cxnSpLocks/>
+            <a:stCxn id="80" idx="2"/>
+            <a:endCxn id="40" idx="0"/>
+          </p:cNvCxnSpPr>
+          <p:nvPr/>
+        </p:nvCxnSpPr>
+        <p:spPr>
+          <a:xfrm rot="5400000" flipH="1" flipV="1">
+            <a:off x="5461318" y="2669306"/>
+            <a:ext cx="1383670" cy="1717854"/>
+          </a:xfrm>
+          <a:prstGeom prst="bentConnector5">
+            <a:avLst>
+              <a:gd name="adj1" fmla="val -16521"/>
+              <a:gd name="adj2" fmla="val 50000"/>
+              <a:gd name="adj3" fmla="val 116521"/>
+            </a:avLst>
+          </a:prstGeom>
+          <a:ln w="19050">
+            <a:solidFill>
+              <a:schemeClr val="tx1"/>
+            </a:solidFill>
+            <a:tailEnd type="triangle"/>
+          </a:ln>
+        </p:spPr>
+        <p:style>
+          <a:lnRef idx="1">
+            <a:schemeClr val="accent1"/>
+          </a:lnRef>
+          <a:fillRef idx="0">
+            <a:schemeClr val="accent1"/>
+          </a:fillRef>
+          <a:effectRef idx="0">
+            <a:schemeClr val="accent1"/>
+          </a:effectRef>
+          <a:fontRef idx="minor">
+            <a:schemeClr val="tx1"/>
+          </a:fontRef>
+        </p:style>
+      </p:cxnSp>
+      <p:cxnSp>
+        <p:nvCxnSpPr>
+          <p:cNvPr id="34" name="接點: 肘形 33">
+            <a:extLst>
+              <a:ext uri="{FF2B5EF4-FFF2-40B4-BE49-F238E27FC236}">
+                <a16:creationId xmlns:a16="http://schemas.microsoft.com/office/drawing/2014/main" id="{B13AF3F8-810B-4181-AABD-AE2BA985B934}"/>
+              </a:ext>
+            </a:extLst>
+          </p:cNvPr>
+          <p:cNvCxnSpPr>
+            <a:cxnSpLocks/>
+            <a:stCxn id="82" idx="2"/>
+            <a:endCxn id="84" idx="0"/>
+          </p:cNvCxnSpPr>
+          <p:nvPr/>
+        </p:nvCxnSpPr>
+        <p:spPr>
+          <a:xfrm rot="5400000" flipH="1" flipV="1">
+            <a:off x="7748381" y="2082155"/>
+            <a:ext cx="1400580" cy="2873183"/>
+          </a:xfrm>
+          <a:prstGeom prst="bentConnector5">
+            <a:avLst>
+              <a:gd name="adj1" fmla="val -16322"/>
+              <a:gd name="adj2" fmla="val 44804"/>
+              <a:gd name="adj3" fmla="val 116322"/>
+            </a:avLst>
+          </a:prstGeom>
+          <a:ln w="19050">
+            <a:solidFill>
+              <a:schemeClr val="tx1"/>
+            </a:solidFill>
+            <a:tailEnd type="triangle"/>
+          </a:ln>
+        </p:spPr>
+        <p:style>
+          <a:lnRef idx="1">
+            <a:schemeClr val="accent1"/>
+          </a:lnRef>
+          <a:fillRef idx="0">
+            <a:schemeClr val="accent1"/>
+          </a:fillRef>
+          <a:effectRef idx="0">
+            <a:schemeClr val="accent1"/>
+          </a:effectRef>
+          <a:fontRef idx="minor">
+            <a:schemeClr val="tx1"/>
+          </a:fontRef>
+        </p:style>
+      </p:cxnSp>
     </p:spTree>
     <p:extLst>
       <p:ext uri="{BB962C8B-B14F-4D97-AF65-F5344CB8AC3E}">
